--- a/Föreläsningar/F07 - DOM.pptx
+++ b/Föreläsningar/F07 - DOM.pptx
@@ -234,7 +234,7 @@
             <a:fld id="{D591C14E-198E-48A7-ABEC-7FB80E868E55}" type="datetimeFigureOut">
               <a:rPr lang="sv-SE" smtClean="0"/>
               <a:pPr/>
-              <a:t>2013-12-13</a:t>
+              <a:t>2013-12-16</a:t>
             </a:fld>
             <a:endParaRPr lang="sv-SE"/>
           </a:p>
@@ -401,7 +401,7 @@
             <a:fld id="{188BB863-C913-48B5-BD1A-638D82A0C76B}" type="datetimeFigureOut">
               <a:rPr lang="sv-SE" smtClean="0"/>
               <a:pPr/>
-              <a:t>2013-12-13</a:t>
+              <a:t>2013-12-16</a:t>
             </a:fld>
             <a:endParaRPr lang="sv-SE"/>
           </a:p>
@@ -7638,19 +7638,11 @@
           <a:p>
             <a:r>
               <a:rPr lang="sv-SE" sz="3200" dirty="0" smtClean="0"/>
-              <a:t>F07 </a:t>
-            </a:r>
-            <a:r>
-              <a:rPr lang="sv-SE" sz="3200" dirty="0" smtClean="0"/>
-              <a:t>–</a:t>
+              <a:t>F07 –</a:t>
             </a:r>
             <a:r>
               <a:rPr lang="sv-SE" sz="3200" b="1" dirty="0" smtClean="0"/>
-              <a:t> </a:t>
-            </a:r>
-            <a:r>
-              <a:rPr lang="sv-SE" sz="3200" b="1" dirty="0" smtClean="0"/>
-              <a:t>DOM/BOM</a:t>
+              <a:t> DOM/BOM</a:t>
             </a:r>
             <a:endParaRPr lang="sv-SE" sz="4000" b="1" dirty="0"/>
           </a:p>
@@ -7694,13 +7686,7 @@
               <a:rPr lang="sv-SE" sz="2800" b="1" dirty="0" smtClean="0">
                 <a:latin typeface="Minya Nouvelle" pitchFamily="2" charset="0"/>
               </a:rPr>
-              <a:t>, </a:t>
-            </a:r>
-            <a:r>
-              <a:rPr lang="sv-SE" sz="2800" b="1" dirty="0" smtClean="0">
-                <a:latin typeface="Minya Nouvelle" pitchFamily="2" charset="0"/>
-              </a:rPr>
-              <a:t>HT2013</a:t>
+              <a:t>, HT2013</a:t>
             </a:r>
           </a:p>
           <a:p>
@@ -8019,14 +8005,7 @@
                 <a:latin typeface="Courier New" pitchFamily="49" charset="0"/>
                 <a:cs typeface="Courier New" pitchFamily="49" charset="0"/>
               </a:rPr>
-              <a:t>="ab</a:t>
-            </a:r>
-            <a:r>
-              <a:rPr lang="sv-SE" sz="1800" dirty="0" smtClean="0">
-                <a:latin typeface="Courier New" pitchFamily="49" charset="0"/>
-                <a:cs typeface="Courier New" pitchFamily="49" charset="0"/>
-              </a:rPr>
-              <a:t>"&gt;</a:t>
+              <a:t>="ab"&gt;</a:t>
             </a:r>
             <a:endParaRPr lang="sv-SE" sz="1800" dirty="0">
               <a:latin typeface="Courier New" pitchFamily="49" charset="0"/>
@@ -8291,14 +8270,7 @@
                 <a:latin typeface="Courier New" pitchFamily="49" charset="0"/>
                 <a:cs typeface="Courier New" pitchFamily="49" charset="0"/>
               </a:rPr>
-              <a:t>(</a:t>
-            </a:r>
-            <a:r>
-              <a:rPr lang="sv-SE" sz="1400" dirty="0" smtClean="0">
-                <a:latin typeface="Courier New" pitchFamily="49" charset="0"/>
-                <a:cs typeface="Courier New" pitchFamily="49" charset="0"/>
-              </a:rPr>
-              <a:t>node.id);  		// </a:t>
+              <a:t>(node.id);  		// </a:t>
             </a:r>
             <a:r>
               <a:rPr lang="sv-SE" sz="1400" dirty="0" err="1" smtClean="0">
@@ -8339,21 +8311,7 @@
                 <a:latin typeface="Courier New" pitchFamily="49" charset="0"/>
                 <a:cs typeface="Courier New" pitchFamily="49" charset="0"/>
               </a:rPr>
-              <a:t>); 	</a:t>
-            </a:r>
-            <a:r>
-              <a:rPr lang="sv-SE" sz="1400" dirty="0" smtClean="0">
-                <a:latin typeface="Courier New" pitchFamily="49" charset="0"/>
-                <a:cs typeface="Courier New" pitchFamily="49" charset="0"/>
-              </a:rPr>
-              <a:t>	/</a:t>
-            </a:r>
-            <a:r>
-              <a:rPr lang="sv-SE" sz="1400" dirty="0" smtClean="0">
-                <a:latin typeface="Courier New" pitchFamily="49" charset="0"/>
-                <a:cs typeface="Courier New" pitchFamily="49" charset="0"/>
-              </a:rPr>
-              <a:t>/ </a:t>
+              <a:t>); 		// </a:t>
             </a:r>
             <a:r>
               <a:rPr lang="sv-SE" sz="1400" dirty="0" err="1" smtClean="0">
@@ -8905,14 +8863,7 @@
                 <a:latin typeface="Courier New" pitchFamily="49" charset="0"/>
                 <a:cs typeface="Courier New" pitchFamily="49" charset="0"/>
               </a:rPr>
-              <a:t>alert</a:t>
-            </a:r>
-            <a:r>
-              <a:rPr lang="sv-SE" sz="1400" dirty="0" smtClean="0">
-                <a:latin typeface="Courier New" pitchFamily="49" charset="0"/>
-                <a:cs typeface="Courier New" pitchFamily="49" charset="0"/>
-              </a:rPr>
-              <a:t>(</a:t>
+              <a:t>alert(</a:t>
             </a:r>
             <a:r>
               <a:rPr lang="sv-SE" sz="1400" dirty="0" err="1" smtClean="0">
@@ -9114,11 +9065,7 @@
             </a:r>
             <a:r>
               <a:rPr lang="sv-SE" dirty="0" smtClean="0"/>
-              <a:t>("attributnamn")</a:t>
-            </a:r>
-            <a:r>
-              <a:rPr lang="sv-SE" dirty="0" smtClean="0"/>
-              <a:t>;</a:t>
+              <a:t>("attributnamn");</a:t>
             </a:r>
             <a:br>
               <a:rPr lang="sv-SE" dirty="0" smtClean="0"/>
@@ -9136,11 +9083,7 @@
             </a:r>
             <a:r>
               <a:rPr lang="sv-SE" dirty="0" smtClean="0"/>
-              <a:t>("attributnamn", "värde")</a:t>
-            </a:r>
-            <a:r>
-              <a:rPr lang="sv-SE" dirty="0" smtClean="0"/>
-              <a:t>;</a:t>
+              <a:t>("attributnamn", "värde");</a:t>
             </a:r>
             <a:br>
               <a:rPr lang="sv-SE" dirty="0" smtClean="0"/>
@@ -16961,11 +16904,7 @@
           <a:p>
             <a:r>
               <a:rPr lang="sv-SE" dirty="0" smtClean="0"/>
-              <a:t>E07 </a:t>
-            </a:r>
-            <a:r>
-              <a:rPr lang="sv-SE" dirty="0" smtClean="0"/>
-              <a:t>– </a:t>
+              <a:t>E07 – </a:t>
             </a:r>
             <a:r>
               <a:rPr lang="en-US" sz="3200" b="1" dirty="0" smtClean="0"/>
@@ -17018,13 +16957,7 @@
               <a:rPr lang="sv-SE" dirty="0" smtClean="0">
                 <a:latin typeface="Minya Nouvelle" pitchFamily="2" charset="0"/>
               </a:rPr>
-              <a:t>DOM </a:t>
-            </a:r>
-            <a:r>
-              <a:rPr lang="sv-SE" dirty="0" smtClean="0">
-                <a:latin typeface="Minya Nouvelle" pitchFamily="2" charset="0"/>
-              </a:rPr>
-              <a:t>och BOM</a:t>
+              <a:t>DOM och BOM</a:t>
             </a:r>
           </a:p>
           <a:p>
@@ -17048,13 +16981,7 @@
               <a:rPr lang="sv-SE" dirty="0" smtClean="0">
                 <a:latin typeface="Minya Nouvelle" pitchFamily="2" charset="0"/>
               </a:rPr>
-              <a:t>Navigering </a:t>
-            </a:r>
-            <a:r>
-              <a:rPr lang="sv-SE" dirty="0" smtClean="0">
-                <a:latin typeface="Minya Nouvelle" pitchFamily="2" charset="0"/>
-              </a:rPr>
-              <a:t>i noder</a:t>
+              <a:t>Navigering i noder</a:t>
             </a:r>
           </a:p>
           <a:p>
@@ -17146,9 +17073,6 @@
               </a:rPr>
               <a:t>Timers</a:t>
             </a:r>
-            <a:endParaRPr lang="sv-SE" dirty="0" smtClean="0">
-              <a:latin typeface="Minya Nouvelle" pitchFamily="2" charset="0"/>
-            </a:endParaRPr>
           </a:p>
           <a:p>
             <a:pPr marL="285750" indent="-285750">
@@ -24489,14 +24413,7 @@
                 <a:latin typeface="Courier New" pitchFamily="49" charset="0"/>
                 <a:cs typeface="Courier New" pitchFamily="49" charset="0"/>
               </a:rPr>
-              <a:t>	</a:t>
-            </a:r>
-            <a:r>
-              <a:rPr lang="sv-SE" sz="1400" dirty="0" smtClean="0">
-                <a:latin typeface="Courier New" pitchFamily="49" charset="0"/>
-                <a:cs typeface="Courier New" pitchFamily="49" charset="0"/>
-              </a:rPr>
-              <a:t>alert(”</a:t>
+              <a:t>	alert(”</a:t>
             </a:r>
             <a:r>
               <a:rPr lang="sv-SE" sz="1400" dirty="0" err="1" smtClean="0">
@@ -24669,29 +24586,20 @@
               <a:rPr lang="sv-SE" dirty="0" smtClean="0">
                 <a:latin typeface="Minya Nouvelle" pitchFamily="2" charset="0"/>
               </a:rPr>
-              <a:t>Ovanstående modell har några nackdelar, bland annat kan vi inte koppla flera lyssnare till samma event. W3C har därför </a:t>
+              <a:t>Ovanstående modell har några nackdelar, bland annat kan vi inte koppla flera lyssnare till samma event. W3C har därför ett nyare sätt, via </a:t>
+            </a:r>
+            <a:r>
+              <a:rPr lang="sv-SE" dirty="0" err="1" smtClean="0">
+                <a:latin typeface="Minya Nouvelle" pitchFamily="2" charset="0"/>
+              </a:rPr>
+              <a:t>addEventListener</a:t>
             </a:r>
             <a:r>
               <a:rPr lang="sv-SE" dirty="0" smtClean="0">
                 <a:latin typeface="Minya Nouvelle" pitchFamily="2" charset="0"/>
               </a:rPr>
-              <a:t>ett nyare sätt, via </a:t>
-            </a:r>
-            <a:r>
-              <a:rPr lang="sv-SE" dirty="0" err="1" smtClean="0">
-                <a:latin typeface="Minya Nouvelle" pitchFamily="2" charset="0"/>
-              </a:rPr>
-              <a:t>addEventListener</a:t>
-            </a:r>
-            <a:r>
-              <a:rPr lang="sv-SE" dirty="0" smtClean="0">
-                <a:latin typeface="Minya Nouvelle" pitchFamily="2" charset="0"/>
-              </a:rPr>
               <a:t>.</a:t>
             </a:r>
-            <a:endParaRPr lang="sv-SE" dirty="0" smtClean="0">
-              <a:latin typeface="Minya Nouvelle" pitchFamily="2" charset="0"/>
-            </a:endParaRPr>
           </a:p>
         </p:txBody>
       </p:sp>
@@ -25443,14 +25351,7 @@
                 <a:latin typeface="Courier New" pitchFamily="49" charset="0"/>
                 <a:cs typeface="Courier New" pitchFamily="49" charset="0"/>
               </a:rPr>
-              <a:t>)</a:t>
-            </a:r>
-            <a:r>
-              <a:rPr lang="sv-SE" sz="1600" dirty="0" smtClean="0">
-                <a:latin typeface="Courier New" pitchFamily="49" charset="0"/>
-                <a:cs typeface="Courier New" pitchFamily="49" charset="0"/>
-              </a:rPr>
-              <a:t>{</a:t>
+              <a:t>){</a:t>
             </a:r>
           </a:p>
           <a:p>
@@ -25459,35 +25360,21 @@
                 <a:latin typeface="Courier New" pitchFamily="49" charset="0"/>
                 <a:cs typeface="Courier New" pitchFamily="49" charset="0"/>
               </a:rPr>
-              <a:t>	alert</a:t>
+              <a:t>	alert(</a:t>
+            </a:r>
+            <a:r>
+              <a:rPr lang="sv-SE" sz="1600" b="1" dirty="0" err="1" smtClean="0">
+                <a:latin typeface="Courier New" pitchFamily="49" charset="0"/>
+                <a:cs typeface="Courier New" pitchFamily="49" charset="0"/>
+              </a:rPr>
+              <a:t>e.target</a:t>
             </a:r>
             <a:r>
               <a:rPr lang="sv-SE" sz="1600" dirty="0" smtClean="0">
                 <a:latin typeface="Courier New" pitchFamily="49" charset="0"/>
                 <a:cs typeface="Courier New" pitchFamily="49" charset="0"/>
               </a:rPr>
-              <a:t>(</a:t>
-            </a:r>
-            <a:r>
-              <a:rPr lang="sv-SE" sz="1600" b="1" dirty="0" err="1" smtClean="0">
-                <a:latin typeface="Courier New" pitchFamily="49" charset="0"/>
-                <a:cs typeface="Courier New" pitchFamily="49" charset="0"/>
-              </a:rPr>
-              <a:t>e.target</a:t>
-            </a:r>
-            <a:r>
-              <a:rPr lang="sv-SE" sz="1600" dirty="0" smtClean="0">
-                <a:latin typeface="Courier New" pitchFamily="49" charset="0"/>
-                <a:cs typeface="Courier New" pitchFamily="49" charset="0"/>
-              </a:rPr>
-              <a:t> </a:t>
-            </a:r>
-            <a:r>
-              <a:rPr lang="sv-SE" sz="1600" dirty="0" smtClean="0">
-                <a:latin typeface="Courier New" pitchFamily="49" charset="0"/>
-                <a:cs typeface="Courier New" pitchFamily="49" charset="0"/>
-              </a:rPr>
-              <a:t>=== </a:t>
+              <a:t> === </a:t>
             </a:r>
             <a:r>
               <a:rPr lang="sv-SE" sz="1600" dirty="0" err="1" smtClean="0">
@@ -25575,13 +25462,7 @@
               <a:rPr lang="sv-SE" dirty="0" smtClean="0">
                 <a:latin typeface="Minya Nouvelle" pitchFamily="2" charset="0"/>
               </a:rPr>
-              <a:t>refererar </a:t>
-            </a:r>
-            <a:r>
-              <a:rPr lang="sv-SE" dirty="0" smtClean="0">
-                <a:latin typeface="Minya Nouvelle" pitchFamily="2" charset="0"/>
-              </a:rPr>
-              <a:t>till det objekt som "äger" funktionen, triggar eventet</a:t>
+              <a:t>refererar till det objekt som "äger" funktionen, triggar eventet</a:t>
             </a:r>
           </a:p>
         </p:txBody>
@@ -25735,7 +25616,6 @@
               <a:rPr lang="sv-SE" sz="1600" dirty="0" smtClean="0"/>
               <a:t>Detta går att hindra</a:t>
             </a:r>
-            <a:endParaRPr lang="sv-SE" sz="1600" dirty="0" smtClean="0"/>
           </a:p>
           <a:p>
             <a:endParaRPr lang="sv-SE" sz="1600" dirty="0"/>
@@ -26255,14 +26135,7 @@
                 <a:latin typeface="Courier New" pitchFamily="49" charset="0"/>
                 <a:cs typeface="Courier New" pitchFamily="49" charset="0"/>
               </a:rPr>
-              <a:t>)</a:t>
-            </a:r>
-            <a:r>
-              <a:rPr lang="sv-SE" sz="1400" dirty="0" smtClean="0">
-                <a:latin typeface="Courier New" pitchFamily="49" charset="0"/>
-                <a:cs typeface="Courier New" pitchFamily="49" charset="0"/>
-              </a:rPr>
-              <a:t>{</a:t>
+              <a:t>){</a:t>
             </a:r>
           </a:p>
           <a:p>
